--- a/for_school/portfolio/포트폴리오.pptx
+++ b/for_school/portfolio/포트폴리오.pptx
@@ -12,6 +12,7 @@
     <p:sldId id="260" r:id="rId6"/>
     <p:sldId id="261" r:id="rId7"/>
     <p:sldId id="262" r:id="rId8"/>
+    <p:sldId id="263" r:id="rId9"/>
   </p:sldIdLst>
   <p:sldSz cx="12192000" cy="6858000"/>
   <p:notesSz cx="6858000" cy="9144000"/>
@@ -110,6 +111,11 @@
       </a:defRPr>
     </a:lvl9pPr>
   </p:defaultTextStyle>
+  <p:extLst>
+    <p:ext uri="{EFAFB233-063F-42B5-8137-9DF3F51BA10A}">
+      <p15:sldGuideLst xmlns:p15="http://schemas.microsoft.com/office/powerpoint/2012/main"/>
+    </p:ext>
+  </p:extLst>
 </p:presentation>
 </file>
 
@@ -260,7 +266,7 @@
           <a:p>
             <a:fld id="{464B80AF-0D87-4C6E-9013-ECAE6657CB87}" type="datetimeFigureOut">
               <a:rPr lang="ko-KR" altLang="en-US" smtClean="0"/>
-              <a:t>2024-05-06</a:t>
+              <a:t>2024-05-08</a:t>
             </a:fld>
             <a:endParaRPr lang="ko-KR" altLang="en-US"/>
           </a:p>
@@ -458,7 +464,7 @@
           <a:p>
             <a:fld id="{464B80AF-0D87-4C6E-9013-ECAE6657CB87}" type="datetimeFigureOut">
               <a:rPr lang="ko-KR" altLang="en-US" smtClean="0"/>
-              <a:t>2024-05-06</a:t>
+              <a:t>2024-05-08</a:t>
             </a:fld>
             <a:endParaRPr lang="ko-KR" altLang="en-US"/>
           </a:p>
@@ -666,7 +672,7 @@
           <a:p>
             <a:fld id="{464B80AF-0D87-4C6E-9013-ECAE6657CB87}" type="datetimeFigureOut">
               <a:rPr lang="ko-KR" altLang="en-US" smtClean="0"/>
-              <a:t>2024-05-06</a:t>
+              <a:t>2024-05-08</a:t>
             </a:fld>
             <a:endParaRPr lang="ko-KR" altLang="en-US"/>
           </a:p>
@@ -864,7 +870,7 @@
           <a:p>
             <a:fld id="{464B80AF-0D87-4C6E-9013-ECAE6657CB87}" type="datetimeFigureOut">
               <a:rPr lang="ko-KR" altLang="en-US" smtClean="0"/>
-              <a:t>2024-05-06</a:t>
+              <a:t>2024-05-08</a:t>
             </a:fld>
             <a:endParaRPr lang="ko-KR" altLang="en-US"/>
           </a:p>
@@ -1139,7 +1145,7 @@
           <a:p>
             <a:fld id="{464B80AF-0D87-4C6E-9013-ECAE6657CB87}" type="datetimeFigureOut">
               <a:rPr lang="ko-KR" altLang="en-US" smtClean="0"/>
-              <a:t>2024-05-06</a:t>
+              <a:t>2024-05-08</a:t>
             </a:fld>
             <a:endParaRPr lang="ko-KR" altLang="en-US"/>
           </a:p>
@@ -1404,7 +1410,7 @@
           <a:p>
             <a:fld id="{464B80AF-0D87-4C6E-9013-ECAE6657CB87}" type="datetimeFigureOut">
               <a:rPr lang="ko-KR" altLang="en-US" smtClean="0"/>
-              <a:t>2024-05-06</a:t>
+              <a:t>2024-05-08</a:t>
             </a:fld>
             <a:endParaRPr lang="ko-KR" altLang="en-US"/>
           </a:p>
@@ -1816,7 +1822,7 @@
           <a:p>
             <a:fld id="{464B80AF-0D87-4C6E-9013-ECAE6657CB87}" type="datetimeFigureOut">
               <a:rPr lang="ko-KR" altLang="en-US" smtClean="0"/>
-              <a:t>2024-05-06</a:t>
+              <a:t>2024-05-08</a:t>
             </a:fld>
             <a:endParaRPr lang="ko-KR" altLang="en-US"/>
           </a:p>
@@ -1957,7 +1963,7 @@
           <a:p>
             <a:fld id="{464B80AF-0D87-4C6E-9013-ECAE6657CB87}" type="datetimeFigureOut">
               <a:rPr lang="ko-KR" altLang="en-US" smtClean="0"/>
-              <a:t>2024-05-06</a:t>
+              <a:t>2024-05-08</a:t>
             </a:fld>
             <a:endParaRPr lang="ko-KR" altLang="en-US"/>
           </a:p>
@@ -2070,7 +2076,7 @@
           <a:p>
             <a:fld id="{464B80AF-0D87-4C6E-9013-ECAE6657CB87}" type="datetimeFigureOut">
               <a:rPr lang="ko-KR" altLang="en-US" smtClean="0"/>
-              <a:t>2024-05-06</a:t>
+              <a:t>2024-05-08</a:t>
             </a:fld>
             <a:endParaRPr lang="ko-KR" altLang="en-US"/>
           </a:p>
@@ -2381,7 +2387,7 @@
           <a:p>
             <a:fld id="{464B80AF-0D87-4C6E-9013-ECAE6657CB87}" type="datetimeFigureOut">
               <a:rPr lang="ko-KR" altLang="en-US" smtClean="0"/>
-              <a:t>2024-05-06</a:t>
+              <a:t>2024-05-08</a:t>
             </a:fld>
             <a:endParaRPr lang="ko-KR" altLang="en-US"/>
           </a:p>
@@ -2669,7 +2675,7 @@
           <a:p>
             <a:fld id="{464B80AF-0D87-4C6E-9013-ECAE6657CB87}" type="datetimeFigureOut">
               <a:rPr lang="ko-KR" altLang="en-US" smtClean="0"/>
-              <a:t>2024-05-06</a:t>
+              <a:t>2024-05-08</a:t>
             </a:fld>
             <a:endParaRPr lang="ko-KR" altLang="en-US"/>
           </a:p>
@@ -2910,7 +2916,7 @@
           <a:p>
             <a:fld id="{464B80AF-0D87-4C6E-9013-ECAE6657CB87}" type="datetimeFigureOut">
               <a:rPr lang="ko-KR" altLang="en-US" smtClean="0"/>
-              <a:t>2024-05-06</a:t>
+              <a:t>2024-05-08</a:t>
             </a:fld>
             <a:endParaRPr lang="ko-KR" altLang="en-US"/>
           </a:p>
@@ -6652,7 +6658,7 @@
           <a:noFill/>
         </p:spPr>
         <p:txBody>
-          <a:bodyPr wrap="none" rtlCol="0">
+          <a:bodyPr wrap="square" rtlCol="0">
             <a:spAutoFit/>
           </a:bodyPr>
           <a:lstStyle/>
@@ -6723,7 +6729,7 @@
         </p:nvSpPr>
         <p:spPr>
           <a:xfrm flipH="1">
-            <a:off x="629477" y="3007731"/>
+            <a:off x="4364446" y="4387237"/>
             <a:ext cx="73891" cy="73882"/>
           </a:xfrm>
           <a:prstGeom prst="flowChartConnector">
@@ -6778,8 +6784,8 @@
         </p:nvSpPr>
         <p:spPr>
           <a:xfrm>
-            <a:off x="1030157" y="2815925"/>
-            <a:ext cx="6101350" cy="400110"/>
+            <a:off x="4765126" y="4195431"/>
+            <a:ext cx="2222159" cy="1015663"/>
           </a:xfrm>
           <a:prstGeom prst="rect">
             <a:avLst/>
@@ -6787,7 +6793,7 @@
           <a:noFill/>
         </p:spPr>
         <p:txBody>
-          <a:bodyPr wrap="none" rtlCol="0">
+          <a:bodyPr wrap="square" rtlCol="0">
             <a:spAutoFit/>
           </a:bodyPr>
           <a:lstStyle/>
@@ -6800,7 +6806,7 @@
                   </a:schemeClr>
                 </a:solidFill>
               </a:rPr>
-              <a:t>처음부터 깔끔하게 만드는 것보단</a:t>
+              <a:t>강도가 들어</a:t>
             </a:r>
             <a:r>
               <a:rPr lang="en-US" altLang="ko-KR" sz="2000" spc="-150" dirty="0">
@@ -6820,7 +6826,7 @@
                   </a:schemeClr>
                 </a:solidFill>
               </a:rPr>
-              <a:t>핵심적인 요소 위주로</a:t>
+              <a:t>어린 아이가 형제와 탈출하는 시나리오</a:t>
             </a:r>
             <a:endParaRPr lang="en-US" altLang="ko-KR" sz="2000" spc="-150" dirty="0">
               <a:solidFill>
@@ -6832,10 +6838,416 @@
           </a:p>
         </p:txBody>
       </p:sp>
+      <p:pic>
+        <p:nvPicPr>
+          <p:cNvPr id="3" name="그림 2" descr="스크린샷, PC 게임, 벽, 실내이(가) 표시된 사진&#10;&#10;자동 생성된 설명">
+            <a:extLst>
+              <a:ext uri="{FF2B5EF4-FFF2-40B4-BE49-F238E27FC236}">
+                <a16:creationId xmlns:a16="http://schemas.microsoft.com/office/drawing/2014/main" id="{3A00B081-3F5C-F78B-346F-4D44C84EA838}"/>
+              </a:ext>
+            </a:extLst>
+          </p:cNvPr>
+          <p:cNvPicPr>
+            <a:picLocks noChangeAspect="1"/>
+          </p:cNvPicPr>
+          <p:nvPr/>
+        </p:nvPicPr>
+        <p:blipFill>
+          <a:blip r:embed="rId2">
+            <a:extLst>
+              <a:ext uri="{28A0092B-C50C-407E-A947-70E740481C1C}">
+                <a14:useLocalDpi xmlns:a14="http://schemas.microsoft.com/office/drawing/2010/main" val="0"/>
+              </a:ext>
+            </a:extLst>
+          </a:blip>
+          <a:stretch>
+            <a:fillRect/>
+          </a:stretch>
+        </p:blipFill>
+        <p:spPr>
+          <a:xfrm>
+            <a:off x="629477" y="4269082"/>
+            <a:ext cx="3166151" cy="1701806"/>
+          </a:xfrm>
+          <a:prstGeom prst="rect">
+            <a:avLst/>
+          </a:prstGeom>
+        </p:spPr>
+      </p:pic>
+      <p:sp>
+        <p:nvSpPr>
+          <p:cNvPr id="4" name="TextBox 3">
+            <a:extLst>
+              <a:ext uri="{FF2B5EF4-FFF2-40B4-BE49-F238E27FC236}">
+                <a16:creationId xmlns:a16="http://schemas.microsoft.com/office/drawing/2014/main" id="{DEC76781-A445-0406-7C7C-2F303328B36D}"/>
+              </a:ext>
+            </a:extLst>
+          </p:cNvPr>
+          <p:cNvSpPr txBox="1"/>
+          <p:nvPr/>
+        </p:nvSpPr>
+        <p:spPr>
+          <a:xfrm>
+            <a:off x="819125" y="2883693"/>
+            <a:ext cx="2223686" cy="400110"/>
+          </a:xfrm>
+          <a:prstGeom prst="rect">
+            <a:avLst/>
+          </a:prstGeom>
+          <a:noFill/>
+        </p:spPr>
+        <p:txBody>
+          <a:bodyPr wrap="none" rtlCol="0">
+            <a:spAutoFit/>
+          </a:bodyPr>
+          <a:lstStyle/>
+          <a:p>
+            <a:r>
+              <a:rPr lang="ko-KR" altLang="en-US" sz="2000" b="1" spc="-150" dirty="0">
+                <a:solidFill>
+                  <a:schemeClr val="bg2">
+                    <a:lumMod val="25000"/>
+                  </a:schemeClr>
+                </a:solidFill>
+              </a:rPr>
+              <a:t>구상 중인 아이디어</a:t>
+            </a:r>
+          </a:p>
+        </p:txBody>
+      </p:sp>
+      <p:cxnSp>
+        <p:nvCxnSpPr>
+          <p:cNvPr id="6" name="직선 연결선 5">
+            <a:extLst>
+              <a:ext uri="{FF2B5EF4-FFF2-40B4-BE49-F238E27FC236}">
+                <a16:creationId xmlns:a16="http://schemas.microsoft.com/office/drawing/2014/main" id="{67D0DE85-113C-0220-D74D-9742DB8B36A2}"/>
+              </a:ext>
+            </a:extLst>
+          </p:cNvPr>
+          <p:cNvCxnSpPr>
+            <a:cxnSpLocks/>
+          </p:cNvCxnSpPr>
+          <p:nvPr/>
+        </p:nvCxnSpPr>
+        <p:spPr>
+          <a:xfrm>
+            <a:off x="787645" y="3512855"/>
+            <a:ext cx="5819944" cy="0"/>
+          </a:xfrm>
+          <a:prstGeom prst="line">
+            <a:avLst/>
+          </a:prstGeom>
+          <a:ln w="3175">
+            <a:solidFill>
+              <a:schemeClr val="tx1">
+                <a:lumMod val="50000"/>
+                <a:lumOff val="50000"/>
+              </a:schemeClr>
+            </a:solidFill>
+          </a:ln>
+        </p:spPr>
+        <p:style>
+          <a:lnRef idx="1">
+            <a:schemeClr val="accent1"/>
+          </a:lnRef>
+          <a:fillRef idx="0">
+            <a:schemeClr val="accent1"/>
+          </a:fillRef>
+          <a:effectRef idx="0">
+            <a:schemeClr val="accent1"/>
+          </a:effectRef>
+          <a:fontRef idx="minor">
+            <a:schemeClr val="tx1"/>
+          </a:fontRef>
+        </p:style>
+      </p:cxnSp>
+      <p:sp>
+        <p:nvSpPr>
+          <p:cNvPr id="7" name="순서도: 연결자 6">
+            <a:extLst>
+              <a:ext uri="{FF2B5EF4-FFF2-40B4-BE49-F238E27FC236}">
+                <a16:creationId xmlns:a16="http://schemas.microsoft.com/office/drawing/2014/main" id="{88992C3C-BD3E-0CDC-EF92-B4980FA56DA6}"/>
+              </a:ext>
+            </a:extLst>
+          </p:cNvPr>
+          <p:cNvSpPr/>
+          <p:nvPr/>
+        </p:nvSpPr>
+        <p:spPr>
+          <a:xfrm flipH="1">
+            <a:off x="7556103" y="4385511"/>
+            <a:ext cx="73891" cy="73882"/>
+          </a:xfrm>
+          <a:prstGeom prst="flowChartConnector">
+            <a:avLst/>
+          </a:prstGeom>
+          <a:solidFill>
+            <a:schemeClr val="tx1">
+              <a:lumMod val="75000"/>
+              <a:lumOff val="25000"/>
+            </a:schemeClr>
+          </a:solidFill>
+          <a:ln>
+            <a:noFill/>
+          </a:ln>
+        </p:spPr>
+        <p:style>
+          <a:lnRef idx="2">
+            <a:schemeClr val="accent1">
+              <a:shade val="15000"/>
+            </a:schemeClr>
+          </a:lnRef>
+          <a:fillRef idx="1">
+            <a:schemeClr val="accent1"/>
+          </a:fillRef>
+          <a:effectRef idx="0">
+            <a:schemeClr val="accent1"/>
+          </a:effectRef>
+          <a:fontRef idx="minor">
+            <a:schemeClr val="lt1"/>
+          </a:fontRef>
+        </p:style>
+        <p:txBody>
+          <a:bodyPr rtlCol="0" anchor="ctr"/>
+          <a:lstStyle/>
+          <a:p>
+            <a:pPr algn="ctr"/>
+            <a:endParaRPr lang="ko-KR" altLang="en-US"/>
+          </a:p>
+        </p:txBody>
+      </p:sp>
+      <p:sp>
+        <p:nvSpPr>
+          <p:cNvPr id="8" name="TextBox 7">
+            <a:extLst>
+              <a:ext uri="{FF2B5EF4-FFF2-40B4-BE49-F238E27FC236}">
+                <a16:creationId xmlns:a16="http://schemas.microsoft.com/office/drawing/2014/main" id="{3A23189E-2A63-6541-5DF7-8BC794B93089}"/>
+              </a:ext>
+            </a:extLst>
+          </p:cNvPr>
+          <p:cNvSpPr txBox="1"/>
+          <p:nvPr/>
+        </p:nvSpPr>
+        <p:spPr>
+          <a:xfrm>
+            <a:off x="7956783" y="4193705"/>
+            <a:ext cx="2222159" cy="1631216"/>
+          </a:xfrm>
+          <a:prstGeom prst="rect">
+            <a:avLst/>
+          </a:prstGeom>
+          <a:noFill/>
+        </p:spPr>
+        <p:txBody>
+          <a:bodyPr wrap="square" rtlCol="0">
+            <a:spAutoFit/>
+          </a:bodyPr>
+          <a:lstStyle/>
+          <a:p>
+            <a:r>
+              <a:rPr lang="ko-KR" altLang="en-US" sz="2000" spc="-150" dirty="0" err="1">
+                <a:solidFill>
+                  <a:schemeClr val="bg2">
+                    <a:lumMod val="25000"/>
+                  </a:schemeClr>
+                </a:solidFill>
+              </a:rPr>
+              <a:t>플레이어끼리의</a:t>
+            </a:r>
+            <a:r>
+              <a:rPr lang="ko-KR" altLang="en-US" sz="2000" spc="-150" dirty="0">
+                <a:solidFill>
+                  <a:schemeClr val="bg2">
+                    <a:lumMod val="25000"/>
+                  </a:schemeClr>
+                </a:solidFill>
+              </a:rPr>
+              <a:t> 공격이 아닌 다른 수단으로 승부와 제거가 이루어지는 </a:t>
+            </a:r>
+            <a:r>
+              <a:rPr lang="ko-KR" altLang="en-US" sz="2000" spc="-150" dirty="0" err="1">
+                <a:solidFill>
+                  <a:schemeClr val="bg2">
+                    <a:lumMod val="25000"/>
+                  </a:schemeClr>
+                </a:solidFill>
+              </a:rPr>
+              <a:t>배틀로얄</a:t>
+            </a:r>
+            <a:endParaRPr lang="en-US" altLang="ko-KR" sz="2000" spc="-150" dirty="0">
+              <a:solidFill>
+                <a:schemeClr val="bg2">
+                  <a:lumMod val="25000"/>
+                </a:schemeClr>
+              </a:solidFill>
+            </a:endParaRPr>
+          </a:p>
+        </p:txBody>
+      </p:sp>
     </p:spTree>
     <p:extLst>
       <p:ext uri="{BB962C8B-B14F-4D97-AF65-F5344CB8AC3E}">
         <p14:creationId xmlns:p14="http://schemas.microsoft.com/office/powerpoint/2010/main" val="162489209"/>
+      </p:ext>
+    </p:extLst>
+  </p:cSld>
+  <p:clrMapOvr>
+    <a:masterClrMapping/>
+  </p:clrMapOvr>
+</p:sld>
+</file>
+
+<file path=ppt/slides/slide8.xml><?xml version="1.0" encoding="utf-8"?>
+<p:sld xmlns:a="http://schemas.openxmlformats.org/drawingml/2006/main" xmlns:r="http://schemas.openxmlformats.org/officeDocument/2006/relationships" xmlns:p="http://schemas.openxmlformats.org/presentationml/2006/main">
+  <p:cSld>
+    <p:spTree>
+      <p:nvGrpSpPr>
+        <p:cNvPr id="1" name=""/>
+        <p:cNvGrpSpPr/>
+        <p:nvPr/>
+      </p:nvGrpSpPr>
+      <p:grpSpPr>
+        <a:xfrm>
+          <a:off x="0" y="0"/>
+          <a:ext cx="0" cy="0"/>
+          <a:chOff x="0" y="0"/>
+          <a:chExt cx="0" cy="0"/>
+        </a:xfrm>
+      </p:grpSpPr>
+      <p:cxnSp>
+        <p:nvCxnSpPr>
+          <p:cNvPr id="5" name="직선 연결선 4">
+            <a:extLst>
+              <a:ext uri="{FF2B5EF4-FFF2-40B4-BE49-F238E27FC236}">
+                <a16:creationId xmlns:a16="http://schemas.microsoft.com/office/drawing/2014/main" id="{3FA3EBEB-148E-2098-7A16-6522D6487A99}"/>
+              </a:ext>
+            </a:extLst>
+          </p:cNvPr>
+          <p:cNvCxnSpPr>
+            <a:cxnSpLocks/>
+          </p:cNvCxnSpPr>
+          <p:nvPr/>
+        </p:nvCxnSpPr>
+        <p:spPr>
+          <a:xfrm>
+            <a:off x="882316" y="3922295"/>
+            <a:ext cx="10427368" cy="0"/>
+          </a:xfrm>
+          <a:prstGeom prst="line">
+            <a:avLst/>
+          </a:prstGeom>
+          <a:ln w="3175">
+            <a:solidFill>
+              <a:schemeClr val="tx1">
+                <a:lumMod val="50000"/>
+                <a:lumOff val="50000"/>
+              </a:schemeClr>
+            </a:solidFill>
+          </a:ln>
+        </p:spPr>
+        <p:style>
+          <a:lnRef idx="1">
+            <a:schemeClr val="accent1"/>
+          </a:lnRef>
+          <a:fillRef idx="0">
+            <a:schemeClr val="accent1"/>
+          </a:fillRef>
+          <a:effectRef idx="0">
+            <a:schemeClr val="accent1"/>
+          </a:effectRef>
+          <a:fontRef idx="minor">
+            <a:schemeClr val="tx1"/>
+          </a:fontRef>
+        </p:style>
+      </p:cxnSp>
+      <p:sp>
+        <p:nvSpPr>
+          <p:cNvPr id="13" name="TextBox 12">
+            <a:extLst>
+              <a:ext uri="{FF2B5EF4-FFF2-40B4-BE49-F238E27FC236}">
+                <a16:creationId xmlns:a16="http://schemas.microsoft.com/office/drawing/2014/main" id="{0E3D4171-06A8-2A97-659B-BECED72B0618}"/>
+              </a:ext>
+            </a:extLst>
+          </p:cNvPr>
+          <p:cNvSpPr txBox="1"/>
+          <p:nvPr/>
+        </p:nvSpPr>
+        <p:spPr>
+          <a:xfrm>
+            <a:off x="4512874" y="2598003"/>
+            <a:ext cx="3166251" cy="830997"/>
+          </a:xfrm>
+          <a:prstGeom prst="rect">
+            <a:avLst/>
+          </a:prstGeom>
+          <a:noFill/>
+        </p:spPr>
+        <p:txBody>
+          <a:bodyPr wrap="none" rtlCol="0">
+            <a:spAutoFit/>
+          </a:bodyPr>
+          <a:lstStyle/>
+          <a:p>
+            <a:pPr algn="ctr"/>
+            <a:r>
+              <a:rPr lang="ko-KR" altLang="en-US" sz="4800" b="1" spc="-150" dirty="0">
+                <a:solidFill>
+                  <a:schemeClr val="bg2">
+                    <a:lumMod val="25000"/>
+                  </a:schemeClr>
+                </a:solidFill>
+              </a:rPr>
+              <a:t>감사합니다</a:t>
+            </a:r>
+          </a:p>
+        </p:txBody>
+      </p:sp>
+      <p:sp>
+        <p:nvSpPr>
+          <p:cNvPr id="14" name="TextBox 13">
+            <a:extLst>
+              <a:ext uri="{FF2B5EF4-FFF2-40B4-BE49-F238E27FC236}">
+                <a16:creationId xmlns:a16="http://schemas.microsoft.com/office/drawing/2014/main" id="{9BB273DA-66C7-F519-9B9A-250E967BE00D}"/>
+              </a:ext>
+            </a:extLst>
+          </p:cNvPr>
+          <p:cNvSpPr txBox="1"/>
+          <p:nvPr/>
+        </p:nvSpPr>
+        <p:spPr>
+          <a:xfrm>
+            <a:off x="5647799" y="4415591"/>
+            <a:ext cx="896399" cy="400110"/>
+          </a:xfrm>
+          <a:prstGeom prst="rect">
+            <a:avLst/>
+          </a:prstGeom>
+          <a:noFill/>
+        </p:spPr>
+        <p:txBody>
+          <a:bodyPr wrap="none" rtlCol="0">
+            <a:spAutoFit/>
+          </a:bodyPr>
+          <a:lstStyle/>
+          <a:p>
+            <a:pPr algn="ctr"/>
+            <a:r>
+              <a:rPr lang="ko-KR" altLang="en-US" sz="2000" spc="-150" dirty="0">
+                <a:solidFill>
+                  <a:schemeClr val="bg2">
+                    <a:lumMod val="25000"/>
+                  </a:schemeClr>
+                </a:solidFill>
+              </a:rPr>
+              <a:t>이은혁</a:t>
+            </a:r>
+          </a:p>
+        </p:txBody>
+      </p:sp>
+    </p:spTree>
+    <p:extLst>
+      <p:ext uri="{BB962C8B-B14F-4D97-AF65-F5344CB8AC3E}">
+        <p14:creationId xmlns:p14="http://schemas.microsoft.com/office/powerpoint/2010/main" val="1948373313"/>
       </p:ext>
     </p:extLst>
   </p:cSld>
